--- a/MKIImpedancePaper/HLLHCLayout.pptx
+++ b/MKIImpedancePaper/HLLHCLayout.pptx
@@ -192,7 +192,7 @@
           <a:p>
             <a:fld id="{5408412D-E912-471B-A8DE-3EAC6B9F2B53}" type="datetimeFigureOut">
               <a:rPr lang="en-GB" smtClean="0"/>
-              <a:t>22/04/2015</a:t>
+              <a:t>24/04/2015</a:t>
             </a:fld>
             <a:endParaRPr lang="en-GB"/>
           </a:p>
@@ -725,7 +725,7 @@
           <a:p>
             <a:fld id="{BA17D17D-D25A-4999-BFB9-F0222E9F1C6C}" type="datetimeFigureOut">
               <a:rPr lang="en-GB" smtClean="0"/>
-              <a:t>22/04/2015</a:t>
+              <a:t>24/04/2015</a:t>
             </a:fld>
             <a:endParaRPr lang="en-GB"/>
           </a:p>
@@ -895,7 +895,7 @@
           <a:p>
             <a:fld id="{BA17D17D-D25A-4999-BFB9-F0222E9F1C6C}" type="datetimeFigureOut">
               <a:rPr lang="en-GB" smtClean="0"/>
-              <a:t>22/04/2015</a:t>
+              <a:t>24/04/2015</a:t>
             </a:fld>
             <a:endParaRPr lang="en-GB"/>
           </a:p>
@@ -1075,7 +1075,7 @@
           <a:p>
             <a:fld id="{BA17D17D-D25A-4999-BFB9-F0222E9F1C6C}" type="datetimeFigureOut">
               <a:rPr lang="en-GB" smtClean="0"/>
-              <a:t>22/04/2015</a:t>
+              <a:t>24/04/2015</a:t>
             </a:fld>
             <a:endParaRPr lang="en-GB"/>
           </a:p>
@@ -1245,7 +1245,7 @@
           <a:p>
             <a:fld id="{BA17D17D-D25A-4999-BFB9-F0222E9F1C6C}" type="datetimeFigureOut">
               <a:rPr lang="en-GB" smtClean="0"/>
-              <a:t>22/04/2015</a:t>
+              <a:t>24/04/2015</a:t>
             </a:fld>
             <a:endParaRPr lang="en-GB"/>
           </a:p>
@@ -1491,7 +1491,7 @@
           <a:p>
             <a:fld id="{BA17D17D-D25A-4999-BFB9-F0222E9F1C6C}" type="datetimeFigureOut">
               <a:rPr lang="en-GB" smtClean="0"/>
-              <a:t>22/04/2015</a:t>
+              <a:t>24/04/2015</a:t>
             </a:fld>
             <a:endParaRPr lang="en-GB"/>
           </a:p>
@@ -1779,7 +1779,7 @@
           <a:p>
             <a:fld id="{BA17D17D-D25A-4999-BFB9-F0222E9F1C6C}" type="datetimeFigureOut">
               <a:rPr lang="en-GB" smtClean="0"/>
-              <a:t>22/04/2015</a:t>
+              <a:t>24/04/2015</a:t>
             </a:fld>
             <a:endParaRPr lang="en-GB"/>
           </a:p>
@@ -2201,7 +2201,7 @@
           <a:p>
             <a:fld id="{BA17D17D-D25A-4999-BFB9-F0222E9F1C6C}" type="datetimeFigureOut">
               <a:rPr lang="en-GB" smtClean="0"/>
-              <a:t>22/04/2015</a:t>
+              <a:t>24/04/2015</a:t>
             </a:fld>
             <a:endParaRPr lang="en-GB"/>
           </a:p>
@@ -2319,7 +2319,7 @@
           <a:p>
             <a:fld id="{BA17D17D-D25A-4999-BFB9-F0222E9F1C6C}" type="datetimeFigureOut">
               <a:rPr lang="en-GB" smtClean="0"/>
-              <a:t>22/04/2015</a:t>
+              <a:t>24/04/2015</a:t>
             </a:fld>
             <a:endParaRPr lang="en-GB"/>
           </a:p>
@@ -2414,7 +2414,7 @@
           <a:p>
             <a:fld id="{BA17D17D-D25A-4999-BFB9-F0222E9F1C6C}" type="datetimeFigureOut">
               <a:rPr lang="en-GB" smtClean="0"/>
-              <a:t>22/04/2015</a:t>
+              <a:t>24/04/2015</a:t>
             </a:fld>
             <a:endParaRPr lang="en-GB"/>
           </a:p>
@@ -2691,7 +2691,7 @@
           <a:p>
             <a:fld id="{BA17D17D-D25A-4999-BFB9-F0222E9F1C6C}" type="datetimeFigureOut">
               <a:rPr lang="en-GB" smtClean="0"/>
-              <a:t>22/04/2015</a:t>
+              <a:t>24/04/2015</a:t>
             </a:fld>
             <a:endParaRPr lang="en-GB"/>
           </a:p>
@@ -2944,7 +2944,7 @@
           <a:p>
             <a:fld id="{BA17D17D-D25A-4999-BFB9-F0222E9F1C6C}" type="datetimeFigureOut">
               <a:rPr lang="en-GB" smtClean="0"/>
-              <a:t>22/04/2015</a:t>
+              <a:t>24/04/2015</a:t>
             </a:fld>
             <a:endParaRPr lang="en-GB"/>
           </a:p>
@@ -3157,7 +3157,7 @@
           <a:p>
             <a:fld id="{BA17D17D-D25A-4999-BFB9-F0222E9F1C6C}" type="datetimeFigureOut">
               <a:rPr lang="en-GB" smtClean="0"/>
-              <a:t>22/04/2015</a:t>
+              <a:t>24/04/2015</a:t>
             </a:fld>
             <a:endParaRPr lang="en-GB"/>
           </a:p>
@@ -3595,19 +3595,11 @@
           <a:p>
             <a:r>
               <a:rPr lang="en-GB" dirty="0" smtClean="0"/>
-              <a:t>Region with </a:t>
+              <a:t>Region with 3mm </a:t>
             </a:r>
             <a:r>
               <a:rPr lang="en-GB" dirty="0" smtClean="0"/>
-              <a:t>3mm </a:t>
-            </a:r>
-            <a:r>
-              <a:rPr lang="en-GB" dirty="0" err="1" smtClean="0"/>
-              <a:t>stepp</a:t>
-            </a:r>
-            <a:r>
-              <a:rPr lang="en-GB" dirty="0" smtClean="0"/>
-              <a:t> </a:t>
+              <a:t>stepped </a:t>
             </a:r>
             <a:r>
               <a:rPr lang="en-GB" dirty="0" smtClean="0"/>
@@ -3617,144 +3609,6 @@
           </a:p>
         </p:txBody>
       </p:sp>
-      <p:cxnSp>
-        <p:nvCxnSpPr>
-          <p:cNvPr id="39" name="Straight Arrow Connector 38"/>
-          <p:cNvCxnSpPr/>
-          <p:nvPr/>
-        </p:nvCxnSpPr>
-        <p:spPr>
-          <a:xfrm flipH="1" flipV="1">
-            <a:off x="3006413" y="2116992"/>
-            <a:ext cx="260266" cy="757759"/>
-          </a:xfrm>
-          <a:prstGeom prst="straightConnector1">
-            <a:avLst/>
-          </a:prstGeom>
-          <a:ln w="19050">
-            <a:solidFill>
-              <a:schemeClr val="tx1"/>
-            </a:solidFill>
-            <a:tailEnd type="arrow"/>
-          </a:ln>
-        </p:spPr>
-        <p:style>
-          <a:lnRef idx="1">
-            <a:schemeClr val="accent1"/>
-          </a:lnRef>
-          <a:fillRef idx="0">
-            <a:schemeClr val="accent1"/>
-          </a:fillRef>
-          <a:effectRef idx="0">
-            <a:schemeClr val="accent1"/>
-          </a:effectRef>
-          <a:fontRef idx="minor">
-            <a:schemeClr val="tx1"/>
-          </a:fontRef>
-        </p:style>
-      </p:cxnSp>
-      <p:sp>
-        <p:nvSpPr>
-          <p:cNvPr id="40" name="TextBox 39"/>
-          <p:cNvSpPr txBox="1"/>
-          <p:nvPr/>
-        </p:nvSpPr>
-        <p:spPr>
-          <a:xfrm>
-            <a:off x="254351" y="2878425"/>
-            <a:ext cx="2509360" cy="553998"/>
-          </a:xfrm>
-          <a:prstGeom prst="rect">
-            <a:avLst/>
-          </a:prstGeom>
-          <a:noFill/>
-        </p:spPr>
-        <p:txBody>
-          <a:bodyPr wrap="square" rtlCol="0">
-            <a:spAutoFit/>
-          </a:bodyPr>
-          <a:lstStyle/>
-          <a:p>
-            <a:r>
-              <a:rPr lang="en-GB" dirty="0" smtClean="0"/>
-              <a:t>Holders for ferrite damping rings</a:t>
-            </a:r>
-            <a:endParaRPr lang="en-GB" dirty="0"/>
-          </a:p>
-        </p:txBody>
-      </p:sp>
-      <p:cxnSp>
-        <p:nvCxnSpPr>
-          <p:cNvPr id="41" name="Straight Arrow Connector 40"/>
-          <p:cNvCxnSpPr/>
-          <p:nvPr/>
-        </p:nvCxnSpPr>
-        <p:spPr>
-          <a:xfrm flipH="1" flipV="1">
-            <a:off x="932245" y="2621047"/>
-            <a:ext cx="333901" cy="253704"/>
-          </a:xfrm>
-          <a:prstGeom prst="straightConnector1">
-            <a:avLst/>
-          </a:prstGeom>
-          <a:ln w="19050">
-            <a:solidFill>
-              <a:schemeClr val="tx1"/>
-            </a:solidFill>
-            <a:tailEnd type="arrow"/>
-          </a:ln>
-        </p:spPr>
-        <p:style>
-          <a:lnRef idx="1">
-            <a:schemeClr val="accent1"/>
-          </a:lnRef>
-          <a:fillRef idx="0">
-            <a:schemeClr val="accent1"/>
-          </a:fillRef>
-          <a:effectRef idx="0">
-            <a:schemeClr val="accent1"/>
-          </a:effectRef>
-          <a:fontRef idx="minor">
-            <a:schemeClr val="tx1"/>
-          </a:fontRef>
-        </p:style>
-      </p:cxnSp>
-      <p:cxnSp>
-        <p:nvCxnSpPr>
-          <p:cNvPr id="42" name="Straight Arrow Connector 41"/>
-          <p:cNvCxnSpPr/>
-          <p:nvPr/>
-        </p:nvCxnSpPr>
-        <p:spPr>
-          <a:xfrm flipV="1">
-            <a:off x="2042543" y="2621049"/>
-            <a:ext cx="1409981" cy="253702"/>
-          </a:xfrm>
-          <a:prstGeom prst="straightConnector1">
-            <a:avLst/>
-          </a:prstGeom>
-          <a:ln w="19050">
-            <a:solidFill>
-              <a:schemeClr val="tx1"/>
-            </a:solidFill>
-            <a:tailEnd type="arrow"/>
-          </a:ln>
-        </p:spPr>
-        <p:style>
-          <a:lnRef idx="1">
-            <a:schemeClr val="accent1"/>
-          </a:lnRef>
-          <a:fillRef idx="0">
-            <a:schemeClr val="accent1"/>
-          </a:fillRef>
-          <a:effectRef idx="0">
-            <a:schemeClr val="accent1"/>
-          </a:effectRef>
-          <a:fontRef idx="minor">
-            <a:schemeClr val="tx1"/>
-          </a:fontRef>
-        </p:style>
-      </p:cxnSp>
       <p:cxnSp>
         <p:nvCxnSpPr>
           <p:cNvPr id="43" name="Straight Connector 42"/>
@@ -4098,7 +3952,7 @@
         </p:nvSpPr>
         <p:spPr>
           <a:xfrm>
-            <a:off x="5040288" y="1066702"/>
+            <a:off x="4830178" y="1053258"/>
             <a:ext cx="1477394" cy="602950"/>
           </a:xfrm>
           <a:prstGeom prst="rect">
@@ -4344,7 +4198,7 @@
         </p:nvSpPr>
         <p:spPr>
           <a:xfrm>
-            <a:off x="2587529" y="2112594"/>
+            <a:off x="2587529" y="2094132"/>
             <a:ext cx="1296144" cy="45719"/>
           </a:xfrm>
           <a:prstGeom prst="rect">
@@ -4392,7 +4246,7 @@
         </p:nvCxnSpPr>
         <p:spPr>
           <a:xfrm flipH="1">
-            <a:off x="575791" y="2112594"/>
+            <a:off x="571892" y="2091933"/>
             <a:ext cx="2011738" cy="4398"/>
           </a:xfrm>
           <a:prstGeom prst="line">
@@ -4461,6 +4315,166 @@
           <a:xfrm flipH="1" flipV="1">
             <a:off x="1787430" y="2116992"/>
             <a:ext cx="1" cy="145313"/>
+          </a:xfrm>
+          <a:prstGeom prst="straightConnector1">
+            <a:avLst/>
+          </a:prstGeom>
+          <a:ln w="19050">
+            <a:solidFill>
+              <a:schemeClr val="tx1"/>
+            </a:solidFill>
+            <a:tailEnd type="arrow"/>
+          </a:ln>
+        </p:spPr>
+        <p:style>
+          <a:lnRef idx="1">
+            <a:schemeClr val="accent1"/>
+          </a:lnRef>
+          <a:fillRef idx="0">
+            <a:schemeClr val="accent1"/>
+          </a:fillRef>
+          <a:effectRef idx="0">
+            <a:schemeClr val="accent1"/>
+          </a:effectRef>
+          <a:fontRef idx="minor">
+            <a:schemeClr val="tx1"/>
+          </a:fontRef>
+        </p:style>
+      </p:cxnSp>
+      <p:sp>
+        <p:nvSpPr>
+          <p:cNvPr id="2" name="TextBox 1"/>
+          <p:cNvSpPr txBox="1"/>
+          <p:nvPr/>
+        </p:nvSpPr>
+        <p:spPr>
+          <a:xfrm>
+            <a:off x="4464695" y="1103478"/>
+            <a:ext cx="1079884" cy="553998"/>
+          </a:xfrm>
+          <a:prstGeom prst="rect">
+            <a:avLst/>
+          </a:prstGeom>
+          <a:solidFill>
+            <a:schemeClr val="bg1"/>
+          </a:solidFill>
+        </p:spPr>
+        <p:txBody>
+          <a:bodyPr wrap="square" rtlCol="0">
+            <a:spAutoFit/>
+          </a:bodyPr>
+          <a:lstStyle/>
+          <a:p>
+            <a:r>
+              <a:rPr lang="fr-CA" dirty="0" err="1" smtClean="0"/>
+              <a:t>Screen</a:t>
+            </a:r>
+            <a:r>
+              <a:rPr lang="fr-CA" dirty="0" smtClean="0"/>
+              <a:t> </a:t>
+            </a:r>
+            <a:r>
+              <a:rPr lang="fr-CA" dirty="0" err="1" smtClean="0"/>
+              <a:t>conductors</a:t>
+            </a:r>
+            <a:endParaRPr lang="en-GB" dirty="0"/>
+          </a:p>
+        </p:txBody>
+      </p:sp>
+      <p:sp>
+        <p:nvSpPr>
+          <p:cNvPr id="27" name="Rectangle 26"/>
+          <p:cNvSpPr/>
+          <p:nvPr/>
+        </p:nvSpPr>
+        <p:spPr>
+          <a:xfrm>
+            <a:off x="2587529" y="832211"/>
+            <a:ext cx="1296144" cy="45719"/>
+          </a:xfrm>
+          <a:prstGeom prst="rect">
+            <a:avLst/>
+          </a:prstGeom>
+          <a:solidFill>
+            <a:srgbClr val="FF0000"/>
+          </a:solidFill>
+          <a:ln>
+            <a:solidFill>
+              <a:srgbClr val="FF0000"/>
+            </a:solidFill>
+          </a:ln>
+        </p:spPr>
+        <p:style>
+          <a:lnRef idx="2">
+            <a:schemeClr val="accent1">
+              <a:shade val="50000"/>
+            </a:schemeClr>
+          </a:lnRef>
+          <a:fillRef idx="1">
+            <a:schemeClr val="accent1"/>
+          </a:fillRef>
+          <a:effectRef idx="0">
+            <a:schemeClr val="accent1"/>
+          </a:effectRef>
+          <a:fontRef idx="minor">
+            <a:schemeClr val="lt1"/>
+          </a:fontRef>
+        </p:style>
+        <p:txBody>
+          <a:bodyPr rtlCol="0" anchor="ctr"/>
+          <a:lstStyle/>
+          <a:p>
+            <a:pPr algn="ctr"/>
+            <a:endParaRPr lang="en-GB"/>
+          </a:p>
+        </p:txBody>
+      </p:sp>
+      <p:cxnSp>
+        <p:nvCxnSpPr>
+          <p:cNvPr id="39" name="Straight Arrow Connector 38"/>
+          <p:cNvCxnSpPr/>
+          <p:nvPr/>
+        </p:nvCxnSpPr>
+        <p:spPr>
+          <a:xfrm flipH="1" flipV="1">
+            <a:off x="3006413" y="2116992"/>
+            <a:ext cx="260266" cy="757759"/>
+          </a:xfrm>
+          <a:prstGeom prst="straightConnector1">
+            <a:avLst/>
+          </a:prstGeom>
+          <a:ln w="19050">
+            <a:solidFill>
+              <a:schemeClr val="tx1"/>
+            </a:solidFill>
+            <a:tailEnd type="arrow"/>
+          </a:ln>
+        </p:spPr>
+        <p:style>
+          <a:lnRef idx="1">
+            <a:schemeClr val="accent1"/>
+          </a:lnRef>
+          <a:fillRef idx="0">
+            <a:schemeClr val="accent1"/>
+          </a:fillRef>
+          <a:effectRef idx="0">
+            <a:schemeClr val="accent1"/>
+          </a:effectRef>
+          <a:fontRef idx="minor">
+            <a:schemeClr val="tx1"/>
+          </a:fontRef>
+        </p:style>
+      </p:cxnSp>
+      <p:cxnSp>
+        <p:nvCxnSpPr>
+          <p:cNvPr id="28" name="Straight Arrow Connector 27"/>
+          <p:cNvCxnSpPr/>
+          <p:nvPr/>
+        </p:nvCxnSpPr>
+        <p:spPr>
+          <a:xfrm flipH="1" flipV="1">
+            <a:off x="3577455" y="873938"/>
+            <a:ext cx="23144" cy="2000813"/>
           </a:xfrm>
           <a:prstGeom prst="straightConnector1">
             <a:avLst/>
